--- a/99_pranning/卒プレアーカイブ_satone.pptx
+++ b/99_pranning/卒プレアーカイブ_satone.pptx
@@ -3940,35 +3940,6 @@
       </p:grpSpPr>
       <p:sp>
         <p:nvSpPr>
-          <p:cNvPr id="2" name="タイトル 1">
-            <a:extLst>
-              <a:ext uri="{FF2B5EF4-FFF2-40B4-BE49-F238E27FC236}">
-                <a16:creationId xmlns:a16="http://schemas.microsoft.com/office/drawing/2014/main" id="{F34B8317-445D-E151-85DC-B7C2080C554F}"/>
-              </a:ext>
-            </a:extLst>
-          </p:cNvPr>
-          <p:cNvSpPr>
-            <a:spLocks noGrp="1"/>
-          </p:cNvSpPr>
-          <p:nvPr>
-            <p:ph type="title"/>
-          </p:nvPr>
-        </p:nvSpPr>
-        <p:spPr/>
-        <p:txBody>
-          <a:bodyPr/>
-          <a:lstStyle/>
-          <a:p>
-            <a:r>
-              <a:rPr lang="ja-JP" altLang="en-US" dirty="0"/>
-              <a:t>チームロゴ</a:t>
-            </a:r>
-            <a:endParaRPr kumimoji="1" lang="ja-JP" altLang="en-US" dirty="0"/>
-          </a:p>
-        </p:txBody>
-      </p:sp>
-      <p:sp>
-        <p:nvSpPr>
           <p:cNvPr id="4" name="タイトル 1">
             <a:extLst>
               <a:ext uri="{FF2B5EF4-FFF2-40B4-BE49-F238E27FC236}">
@@ -3983,7 +3954,7 @@
         </p:nvSpPr>
         <p:spPr>
           <a:xfrm>
-            <a:off x="296341" y="1976342"/>
+            <a:off x="9381347" y="1843606"/>
             <a:ext cx="5915025" cy="1914702"/>
           </a:xfrm>
           <a:prstGeom prst="rect">
@@ -4037,7 +4008,7 @@
         </p:nvSpPr>
         <p:spPr>
           <a:xfrm>
-            <a:off x="296341" y="4100255"/>
+            <a:off x="9381347" y="3967519"/>
             <a:ext cx="5915025" cy="1914702"/>
           </a:xfrm>
           <a:prstGeom prst="rect">
@@ -4089,7 +4060,7 @@
         </p:nvSpPr>
         <p:spPr>
           <a:xfrm>
-            <a:off x="2620370" y="7260609"/>
+            <a:off x="11705376" y="7127873"/>
             <a:ext cx="877163" cy="369332"/>
           </a:xfrm>
           <a:prstGeom prst="rect">
@@ -4110,6 +4081,78 @@
           </a:p>
         </p:txBody>
       </p:sp>
+      <p:pic>
+        <p:nvPicPr>
+          <p:cNvPr id="7" name="図 6" descr="挿絵, 食品, 光 が含まれている画像&#10;&#10;自動的に生成された説明">
+            <a:extLst>
+              <a:ext uri="{FF2B5EF4-FFF2-40B4-BE49-F238E27FC236}">
+                <a16:creationId xmlns:a16="http://schemas.microsoft.com/office/drawing/2014/main" id="{B8E41EE2-BBE8-4585-7BE8-776120D78C98}"/>
+              </a:ext>
+            </a:extLst>
+          </p:cNvPr>
+          <p:cNvPicPr>
+            <a:picLocks noChangeAspect="1"/>
+          </p:cNvPicPr>
+          <p:nvPr/>
+        </p:nvPicPr>
+        <p:blipFill>
+          <a:blip r:embed="rId2">
+            <a:extLst>
+              <a:ext uri="{28A0092B-C50C-407E-A947-70E740481C1C}">
+                <a14:useLocalDpi xmlns:a14="http://schemas.microsoft.com/office/drawing/2010/main" val="0"/>
+              </a:ext>
+            </a:extLst>
+          </a:blip>
+          <a:stretch>
+            <a:fillRect/>
+          </a:stretch>
+        </p:blipFill>
+        <p:spPr>
+          <a:xfrm>
+            <a:off x="796413" y="0"/>
+            <a:ext cx="5265174" cy="2516753"/>
+          </a:xfrm>
+          <a:prstGeom prst="rect">
+            <a:avLst/>
+          </a:prstGeom>
+        </p:spPr>
+      </p:pic>
+      <p:pic>
+        <p:nvPicPr>
+          <p:cNvPr id="11" name="図 10" descr="屋内, 時計, 電車, 暗い が含まれている画像&#10;&#10;自動的に生成された説明">
+            <a:extLst>
+              <a:ext uri="{FF2B5EF4-FFF2-40B4-BE49-F238E27FC236}">
+                <a16:creationId xmlns:a16="http://schemas.microsoft.com/office/drawing/2014/main" id="{60819067-71E2-0859-0988-18C10F8A7C88}"/>
+              </a:ext>
+            </a:extLst>
+          </p:cNvPr>
+          <p:cNvPicPr>
+            <a:picLocks noChangeAspect="1"/>
+          </p:cNvPicPr>
+          <p:nvPr/>
+        </p:nvPicPr>
+        <p:blipFill>
+          <a:blip r:embed="rId3">
+            <a:extLst>
+              <a:ext uri="{28A0092B-C50C-407E-A947-70E740481C1C}">
+                <a14:useLocalDpi xmlns:a14="http://schemas.microsoft.com/office/drawing/2010/main" val="0"/>
+              </a:ext>
+            </a:extLst>
+          </a:blip>
+          <a:stretch>
+            <a:fillRect/>
+          </a:stretch>
+        </p:blipFill>
+        <p:spPr>
+          <a:xfrm>
+            <a:off x="0" y="2516753"/>
+            <a:ext cx="6858000" cy="2571750"/>
+          </a:xfrm>
+          <a:prstGeom prst="rect">
+            <a:avLst/>
+          </a:prstGeom>
+        </p:spPr>
+      </p:pic>
     </p:spTree>
     <p:extLst>
       <p:ext uri="{BB962C8B-B14F-4D97-AF65-F5344CB8AC3E}">

--- a/99_pranning/卒プレアーカイブ_satone.pptx
+++ b/99_pranning/卒プレアーカイブ_satone.pptx
@@ -3938,155 +3938,12 @@
           <a:chExt cx="0" cy="0"/>
         </a:xfrm>
       </p:grpSpPr>
-      <p:sp>
-        <p:nvSpPr>
-          <p:cNvPr id="4" name="タイトル 1">
+      <p:pic>
+        <p:nvPicPr>
+          <p:cNvPr id="47" name="図 46" descr="暗い, カラフル, ベッド, 部屋 が含まれている画像&#10;&#10;自動的に生成された説明">
             <a:extLst>
               <a:ext uri="{FF2B5EF4-FFF2-40B4-BE49-F238E27FC236}">
-                <a16:creationId xmlns:a16="http://schemas.microsoft.com/office/drawing/2014/main" id="{E10D3FFF-2791-3584-04E3-675B99F8EEAA}"/>
-              </a:ext>
-            </a:extLst>
-          </p:cNvPr>
-          <p:cNvSpPr txBox="1">
-            <a:spLocks/>
-          </p:cNvSpPr>
-          <p:nvPr/>
-        </p:nvSpPr>
-        <p:spPr>
-          <a:xfrm>
-            <a:off x="9381347" y="1843606"/>
-            <a:ext cx="5915025" cy="1914702"/>
-          </a:xfrm>
-          <a:prstGeom prst="rect">
-            <a:avLst/>
-          </a:prstGeom>
-        </p:spPr>
-        <p:txBody>
-          <a:bodyPr vert="horz" lIns="91440" tIns="45720" rIns="91440" bIns="45720" rtlCol="0" anchor="ctr">
-            <a:normAutofit/>
-          </a:bodyPr>
-          <a:lstStyle>
-            <a:lvl1pPr algn="l" defTabSz="685800" rtl="0" eaLnBrk="1" latinLnBrk="0" hangingPunct="1">
-              <a:lnSpc>
-                <a:spcPct val="90000"/>
-              </a:lnSpc>
-              <a:spcBef>
-                <a:spcPct val="0"/>
-              </a:spcBef>
-              <a:buNone/>
-              <a:defRPr kumimoji="1" sz="3300" kern="1200">
-                <a:solidFill>
-                  <a:schemeClr val="tx1"/>
-                </a:solidFill>
-                <a:latin typeface="+mj-lt"/>
-                <a:ea typeface="+mj-ea"/>
-                <a:cs typeface="+mj-cs"/>
-              </a:defRPr>
-            </a:lvl1pPr>
-          </a:lstStyle>
-          <a:p>
-            <a:r>
-              <a:rPr lang="ja-JP" altLang="en-US" dirty="0"/>
-              <a:t>タイトルロゴ</a:t>
-            </a:r>
-          </a:p>
-        </p:txBody>
-      </p:sp>
-      <p:sp>
-        <p:nvSpPr>
-          <p:cNvPr id="5" name="タイトル 1">
-            <a:extLst>
-              <a:ext uri="{FF2B5EF4-FFF2-40B4-BE49-F238E27FC236}">
-                <a16:creationId xmlns:a16="http://schemas.microsoft.com/office/drawing/2014/main" id="{7B3E1B72-68C3-18C8-D0D1-23EAD862172F}"/>
-              </a:ext>
-            </a:extLst>
-          </p:cNvPr>
-          <p:cNvSpPr txBox="1">
-            <a:spLocks/>
-          </p:cNvSpPr>
-          <p:nvPr/>
-        </p:nvSpPr>
-        <p:spPr>
-          <a:xfrm>
-            <a:off x="9381347" y="3967519"/>
-            <a:ext cx="5915025" cy="1914702"/>
-          </a:xfrm>
-          <a:prstGeom prst="rect">
-            <a:avLst/>
-          </a:prstGeom>
-        </p:spPr>
-        <p:txBody>
-          <a:bodyPr vert="horz" lIns="91440" tIns="45720" rIns="91440" bIns="45720" rtlCol="0" anchor="ctr">
-            <a:normAutofit/>
-          </a:bodyPr>
-          <a:lstStyle>
-            <a:lvl1pPr algn="l" defTabSz="685800" rtl="0" eaLnBrk="1" latinLnBrk="0" hangingPunct="1">
-              <a:lnSpc>
-                <a:spcPct val="90000"/>
-              </a:lnSpc>
-              <a:spcBef>
-                <a:spcPct val="0"/>
-              </a:spcBef>
-              <a:buNone/>
-              <a:defRPr kumimoji="1" sz="3300" kern="1200">
-                <a:solidFill>
-                  <a:schemeClr val="tx1"/>
-                </a:solidFill>
-                <a:latin typeface="+mj-lt"/>
-                <a:ea typeface="+mj-ea"/>
-                <a:cs typeface="+mj-cs"/>
-              </a:defRPr>
-            </a:lvl1pPr>
-          </a:lstStyle>
-          <a:p>
-            <a:r>
-              <a:rPr lang="ja-JP" altLang="en-US" dirty="0"/>
-              <a:t>メンバー</a:t>
-            </a:r>
-          </a:p>
-        </p:txBody>
-      </p:sp>
-      <p:sp>
-        <p:nvSpPr>
-          <p:cNvPr id="3" name="テキスト ボックス 2">
-            <a:extLst>
-              <a:ext uri="{FF2B5EF4-FFF2-40B4-BE49-F238E27FC236}">
-                <a16:creationId xmlns:a16="http://schemas.microsoft.com/office/drawing/2014/main" id="{A38E29BC-1BB1-1E87-0804-4C012C89B3EB}"/>
-              </a:ext>
-            </a:extLst>
-          </p:cNvPr>
-          <p:cNvSpPr txBox="1"/>
-          <p:nvPr/>
-        </p:nvSpPr>
-        <p:spPr>
-          <a:xfrm>
-            <a:off x="11705376" y="7127873"/>
-            <a:ext cx="877163" cy="369332"/>
-          </a:xfrm>
-          <a:prstGeom prst="rect">
-            <a:avLst/>
-          </a:prstGeom>
-          <a:noFill/>
-        </p:spPr>
-        <p:txBody>
-          <a:bodyPr wrap="none" rtlCol="0">
-            <a:spAutoFit/>
-          </a:bodyPr>
-          <a:lstStyle/>
-          <a:p>
-            <a:r>
-              <a:rPr kumimoji="1" lang="ja-JP" altLang="en-US" dirty="0"/>
-              <a:t>しおん</a:t>
-            </a:r>
-          </a:p>
-        </p:txBody>
-      </p:sp>
-      <p:pic>
-        <p:nvPicPr>
-          <p:cNvPr id="7" name="図 6" descr="挿絵, 食品, 光 が含まれている画像&#10;&#10;自動的に生成された説明">
-            <a:extLst>
-              <a:ext uri="{FF2B5EF4-FFF2-40B4-BE49-F238E27FC236}">
-                <a16:creationId xmlns:a16="http://schemas.microsoft.com/office/drawing/2014/main" id="{B8E41EE2-BBE8-4585-7BE8-776120D78C98}"/>
+                <a16:creationId xmlns:a16="http://schemas.microsoft.com/office/drawing/2014/main" id="{0C52DF1E-0043-BD20-E01A-68310AC775C9}"/>
               </a:ext>
             </a:extLst>
           </p:cNvPr>
@@ -4103,26 +3960,32 @@
               </a:ext>
             </a:extLst>
           </a:blip>
-          <a:stretch>
-            <a:fillRect/>
-          </a:stretch>
+          <a:srcRect l="9795" t="6866" r="11945" b="13670"/>
+          <a:stretch/>
         </p:blipFill>
         <p:spPr>
           <a:xfrm>
-            <a:off x="796413" y="0"/>
-            <a:ext cx="5265174" cy="2516753"/>
+            <a:off x="868410" y="3560233"/>
+            <a:ext cx="5120640" cy="5375661"/>
           </a:xfrm>
           <a:prstGeom prst="rect">
             <a:avLst/>
           </a:prstGeom>
+          <a:effectLst>
+            <a:outerShdw blurRad="50800" dist="38100" dir="2700000" algn="tl" rotWithShape="0">
+              <a:prstClr val="black">
+                <a:alpha val="40000"/>
+              </a:prstClr>
+            </a:outerShdw>
+          </a:effectLst>
         </p:spPr>
       </p:pic>
       <p:pic>
         <p:nvPicPr>
-          <p:cNvPr id="11" name="図 10" descr="屋内, 時計, 電車, 暗い が含まれている画像&#10;&#10;自動的に生成された説明">
+          <p:cNvPr id="27" name="図 26" descr="グリーン, 座る, 暗い, 持つ が含まれている画像&#10;&#10;自動的に生成された説明">
             <a:extLst>
               <a:ext uri="{FF2B5EF4-FFF2-40B4-BE49-F238E27FC236}">
-                <a16:creationId xmlns:a16="http://schemas.microsoft.com/office/drawing/2014/main" id="{60819067-71E2-0859-0988-18C10F8A7C88}"/>
+                <a16:creationId xmlns:a16="http://schemas.microsoft.com/office/drawing/2014/main" id="{EEB19838-C56C-C58E-F6F5-4B9A06A6D3DA}"/>
               </a:ext>
             </a:extLst>
           </p:cNvPr>
@@ -4145,12 +4008,436 @@
         </p:blipFill>
         <p:spPr>
           <a:xfrm>
-            <a:off x="0" y="2516753"/>
-            <a:ext cx="6858000" cy="2571750"/>
+            <a:off x="4938391" y="1188720"/>
+            <a:ext cx="1919609" cy="1761018"/>
           </a:xfrm>
           <a:prstGeom prst="rect">
             <a:avLst/>
           </a:prstGeom>
+          <a:effectLst>
+            <a:outerShdw blurRad="50800" dist="38100" dir="2700000" algn="tl" rotWithShape="0">
+              <a:prstClr val="black">
+                <a:alpha val="40000"/>
+              </a:prstClr>
+            </a:outerShdw>
+          </a:effectLst>
+        </p:spPr>
+      </p:pic>
+      <p:grpSp>
+        <p:nvGrpSpPr>
+          <p:cNvPr id="36" name="グループ化 35">
+            <a:extLst>
+              <a:ext uri="{FF2B5EF4-FFF2-40B4-BE49-F238E27FC236}">
+                <a16:creationId xmlns:a16="http://schemas.microsoft.com/office/drawing/2014/main" id="{83922046-8103-4E97-F5C1-047F0F1447CE}"/>
+              </a:ext>
+            </a:extLst>
+          </p:cNvPr>
+          <p:cNvGrpSpPr/>
+          <p:nvPr/>
+        </p:nvGrpSpPr>
+        <p:grpSpPr>
+          <a:xfrm>
+            <a:off x="52555" y="2217296"/>
+            <a:ext cx="5525284" cy="913263"/>
+            <a:chOff x="52555" y="2217296"/>
+            <a:chExt cx="5525284" cy="913263"/>
+          </a:xfrm>
+        </p:grpSpPr>
+        <p:pic>
+          <p:nvPicPr>
+            <p:cNvPr id="31" name="図 30" descr="図形&#10;&#10;低い精度で自動的に生成された説明">
+              <a:extLst>
+                <a:ext uri="{FF2B5EF4-FFF2-40B4-BE49-F238E27FC236}">
+                  <a16:creationId xmlns:a16="http://schemas.microsoft.com/office/drawing/2014/main" id="{119640C5-37F7-9BEB-85B1-B1B6EE16EE80}"/>
+                </a:ext>
+              </a:extLst>
+            </p:cNvPr>
+            <p:cNvPicPr>
+              <a:picLocks noChangeAspect="1"/>
+            </p:cNvPicPr>
+            <p:nvPr/>
+          </p:nvPicPr>
+          <p:blipFill>
+            <a:blip r:embed="rId4">
+              <a:extLst>
+                <a:ext uri="{28A0092B-C50C-407E-A947-70E740481C1C}">
+                  <a14:useLocalDpi xmlns:a14="http://schemas.microsoft.com/office/drawing/2010/main" val="0"/>
+                </a:ext>
+              </a:extLst>
+            </a:blip>
+            <a:stretch>
+              <a:fillRect/>
+            </a:stretch>
+          </p:blipFill>
+          <p:spPr>
+            <a:xfrm rot="5400000">
+              <a:off x="427173" y="1842678"/>
+              <a:ext cx="861858" cy="1611093"/>
+            </a:xfrm>
+            <a:prstGeom prst="rect">
+              <a:avLst/>
+            </a:prstGeom>
+          </p:spPr>
+        </p:pic>
+        <p:pic>
+          <p:nvPicPr>
+            <p:cNvPr id="32" name="図 31" descr="図形&#10;&#10;低い精度で自動的に生成された説明">
+              <a:extLst>
+                <a:ext uri="{FF2B5EF4-FFF2-40B4-BE49-F238E27FC236}">
+                  <a16:creationId xmlns:a16="http://schemas.microsoft.com/office/drawing/2014/main" id="{9788D8B4-4827-4D43-0404-7DF55E0FA774}"/>
+                </a:ext>
+              </a:extLst>
+            </p:cNvPr>
+            <p:cNvPicPr>
+              <a:picLocks noChangeAspect="1"/>
+            </p:cNvPicPr>
+            <p:nvPr/>
+          </p:nvPicPr>
+          <p:blipFill>
+            <a:blip r:embed="rId4">
+              <a:extLst>
+                <a:ext uri="{28A0092B-C50C-407E-A947-70E740481C1C}">
+                  <a14:useLocalDpi xmlns:a14="http://schemas.microsoft.com/office/drawing/2010/main" val="0"/>
+                </a:ext>
+              </a:extLst>
+            </a:blip>
+            <a:stretch>
+              <a:fillRect/>
+            </a:stretch>
+          </p:blipFill>
+          <p:spPr>
+            <a:xfrm rot="5400000">
+              <a:off x="2443139" y="1894083"/>
+              <a:ext cx="861858" cy="1611093"/>
+            </a:xfrm>
+            <a:prstGeom prst="rect">
+              <a:avLst/>
+            </a:prstGeom>
+          </p:spPr>
+        </p:pic>
+        <p:pic>
+          <p:nvPicPr>
+            <p:cNvPr id="35" name="図 34" descr="図形&#10;&#10;中程度の精度で自動的に生成された説明">
+              <a:extLst>
+                <a:ext uri="{FF2B5EF4-FFF2-40B4-BE49-F238E27FC236}">
+                  <a16:creationId xmlns:a16="http://schemas.microsoft.com/office/drawing/2014/main" id="{E8B3AE5D-4A16-E5C8-5A22-7C05168A19A8}"/>
+                </a:ext>
+              </a:extLst>
+            </p:cNvPr>
+            <p:cNvPicPr>
+              <a:picLocks noChangeAspect="1"/>
+            </p:cNvPicPr>
+            <p:nvPr/>
+          </p:nvPicPr>
+          <p:blipFill>
+            <a:blip r:embed="rId5">
+              <a:extLst>
+                <a:ext uri="{28A0092B-C50C-407E-A947-70E740481C1C}">
+                  <a14:useLocalDpi xmlns:a14="http://schemas.microsoft.com/office/drawing/2010/main" val="0"/>
+                </a:ext>
+              </a:extLst>
+            </a:blip>
+            <a:stretch>
+              <a:fillRect/>
+            </a:stretch>
+          </p:blipFill>
+          <p:spPr>
+            <a:xfrm rot="5400000">
+              <a:off x="4442250" y="1910936"/>
+              <a:ext cx="777823" cy="1493354"/>
+            </a:xfrm>
+            <a:prstGeom prst="rect">
+              <a:avLst/>
+            </a:prstGeom>
+          </p:spPr>
+        </p:pic>
+      </p:grpSp>
+      <p:sp>
+        <p:nvSpPr>
+          <p:cNvPr id="18" name="正方形/長方形 17">
+            <a:extLst>
+              <a:ext uri="{FF2B5EF4-FFF2-40B4-BE49-F238E27FC236}">
+                <a16:creationId xmlns:a16="http://schemas.microsoft.com/office/drawing/2014/main" id="{44747F56-71DA-7A77-A342-32599F451CA4}"/>
+              </a:ext>
+            </a:extLst>
+          </p:cNvPr>
+          <p:cNvSpPr/>
+          <p:nvPr/>
+        </p:nvSpPr>
+        <p:spPr>
+          <a:xfrm>
+            <a:off x="441960" y="5394960"/>
+            <a:ext cx="6126480" cy="3535680"/>
+          </a:xfrm>
+          <a:prstGeom prst="rect">
+            <a:avLst/>
+          </a:prstGeom>
+          <a:solidFill>
+            <a:srgbClr val="C00000">
+              <a:alpha val="20000"/>
+            </a:srgbClr>
+          </a:solidFill>
+        </p:spPr>
+        <p:style>
+          <a:lnRef idx="2">
+            <a:schemeClr val="accent1">
+              <a:shade val="15000"/>
+            </a:schemeClr>
+          </a:lnRef>
+          <a:fillRef idx="1">
+            <a:schemeClr val="accent1"/>
+          </a:fillRef>
+          <a:effectRef idx="0">
+            <a:schemeClr val="accent1"/>
+          </a:effectRef>
+          <a:fontRef idx="minor">
+            <a:schemeClr val="lt1"/>
+          </a:fontRef>
+        </p:style>
+        <p:txBody>
+          <a:bodyPr rtlCol="0" anchor="ctr"/>
+          <a:lstStyle/>
+          <a:p>
+            <a:pPr algn="ctr"/>
+            <a:endParaRPr kumimoji="1" lang="ja-JP" altLang="en-US"/>
+          </a:p>
+        </p:txBody>
+      </p:sp>
+      <p:pic>
+        <p:nvPicPr>
+          <p:cNvPr id="17" name="図 16" descr="テキスト&#10;&#10;自動的に生成された説明">
+            <a:extLst>
+              <a:ext uri="{FF2B5EF4-FFF2-40B4-BE49-F238E27FC236}">
+                <a16:creationId xmlns:a16="http://schemas.microsoft.com/office/drawing/2014/main" id="{BA220A69-763D-EC48-1454-2408B23C933E}"/>
+              </a:ext>
+            </a:extLst>
+          </p:cNvPr>
+          <p:cNvPicPr>
+            <a:picLocks noChangeAspect="1"/>
+          </p:cNvPicPr>
+          <p:nvPr/>
+        </p:nvPicPr>
+        <p:blipFill>
+          <a:blip r:embed="rId6">
+            <a:extLst>
+              <a:ext uri="{28A0092B-C50C-407E-A947-70E740481C1C}">
+                <a14:useLocalDpi xmlns:a14="http://schemas.microsoft.com/office/drawing/2010/main" val="0"/>
+              </a:ext>
+            </a:extLst>
+          </a:blip>
+          <a:stretch>
+            <a:fillRect/>
+          </a:stretch>
+        </p:blipFill>
+        <p:spPr>
+          <a:xfrm>
+            <a:off x="-270" y="4298"/>
+            <a:ext cx="6858000" cy="9897404"/>
+          </a:xfrm>
+          <a:prstGeom prst="rect">
+            <a:avLst/>
+          </a:prstGeom>
+        </p:spPr>
+      </p:pic>
+      <p:pic>
+        <p:nvPicPr>
+          <p:cNvPr id="38" name="図 37" descr="グラフ, ヒストグラム&#10;&#10;自動的に生成された説明">
+            <a:extLst>
+              <a:ext uri="{FF2B5EF4-FFF2-40B4-BE49-F238E27FC236}">
+                <a16:creationId xmlns:a16="http://schemas.microsoft.com/office/drawing/2014/main" id="{F670037A-7E33-B4F4-C1B1-4B9988BD6392}"/>
+              </a:ext>
+            </a:extLst>
+          </p:cNvPr>
+          <p:cNvPicPr>
+            <a:picLocks noChangeAspect="1"/>
+          </p:cNvPicPr>
+          <p:nvPr/>
+        </p:nvPicPr>
+        <p:blipFill>
+          <a:blip r:embed="rId7">
+            <a:extLst>
+              <a:ext uri="{28A0092B-C50C-407E-A947-70E740481C1C}">
+                <a14:useLocalDpi xmlns:a14="http://schemas.microsoft.com/office/drawing/2010/main" val="0"/>
+              </a:ext>
+            </a:extLst>
+          </a:blip>
+          <a:stretch>
+            <a:fillRect/>
+          </a:stretch>
+        </p:blipFill>
+        <p:spPr>
+          <a:xfrm rot="7954706">
+            <a:off x="-15252" y="0"/>
+            <a:ext cx="873354" cy="873354"/>
+          </a:xfrm>
+          <a:prstGeom prst="rect">
+            <a:avLst/>
+          </a:prstGeom>
+        </p:spPr>
+      </p:pic>
+      <p:pic>
+        <p:nvPicPr>
+          <p:cNvPr id="39" name="図 38" descr="グラフ, ヒストグラム&#10;&#10;自動的に生成された説明">
+            <a:extLst>
+              <a:ext uri="{FF2B5EF4-FFF2-40B4-BE49-F238E27FC236}">
+                <a16:creationId xmlns:a16="http://schemas.microsoft.com/office/drawing/2014/main" id="{9B571B0A-5F9C-7B85-6053-F0A67DAF5EFB}"/>
+              </a:ext>
+            </a:extLst>
+          </p:cNvPr>
+          <p:cNvPicPr>
+            <a:picLocks noChangeAspect="1"/>
+          </p:cNvPicPr>
+          <p:nvPr/>
+        </p:nvPicPr>
+        <p:blipFill>
+          <a:blip r:embed="rId7">
+            <a:extLst>
+              <a:ext uri="{28A0092B-C50C-407E-A947-70E740481C1C}">
+                <a14:useLocalDpi xmlns:a14="http://schemas.microsoft.com/office/drawing/2010/main" val="0"/>
+              </a:ext>
+            </a:extLst>
+          </a:blip>
+          <a:stretch>
+            <a:fillRect/>
+          </a:stretch>
+        </p:blipFill>
+        <p:spPr>
+          <a:xfrm rot="13480987">
+            <a:off x="5999899" y="0"/>
+            <a:ext cx="873354" cy="873354"/>
+          </a:xfrm>
+          <a:prstGeom prst="rect">
+            <a:avLst/>
+          </a:prstGeom>
+        </p:spPr>
+      </p:pic>
+      <p:pic>
+        <p:nvPicPr>
+          <p:cNvPr id="41" name="図 40" descr="光 が含まれている画像&#10;&#10;自動的に生成された説明">
+            <a:extLst>
+              <a:ext uri="{FF2B5EF4-FFF2-40B4-BE49-F238E27FC236}">
+                <a16:creationId xmlns:a16="http://schemas.microsoft.com/office/drawing/2014/main" id="{D2201441-6AAA-EAE5-60B5-695B7400AF5B}"/>
+              </a:ext>
+            </a:extLst>
+          </p:cNvPr>
+          <p:cNvPicPr>
+            <a:picLocks noChangeAspect="1"/>
+          </p:cNvPicPr>
+          <p:nvPr/>
+        </p:nvPicPr>
+        <p:blipFill>
+          <a:blip r:embed="rId8">
+            <a:extLst>
+              <a:ext uri="{28A0092B-C50C-407E-A947-70E740481C1C}">
+                <a14:useLocalDpi xmlns:a14="http://schemas.microsoft.com/office/drawing/2010/main" val="0"/>
+              </a:ext>
+            </a:extLst>
+          </a:blip>
+          <a:stretch>
+            <a:fillRect/>
+          </a:stretch>
+        </p:blipFill>
+        <p:spPr>
+          <a:xfrm rot="18873963">
+            <a:off x="541166" y="8955513"/>
+            <a:ext cx="1326814" cy="921316"/>
+          </a:xfrm>
+          <a:prstGeom prst="rect">
+            <a:avLst/>
+          </a:prstGeom>
+          <a:effectLst>
+            <a:outerShdw blurRad="50800" dist="38100" dir="2700000" algn="tl" rotWithShape="0">
+              <a:prstClr val="black">
+                <a:alpha val="40000"/>
+              </a:prstClr>
+            </a:outerShdw>
+          </a:effectLst>
+        </p:spPr>
+      </p:pic>
+      <p:pic>
+        <p:nvPicPr>
+          <p:cNvPr id="43" name="図 42" descr="グラフ が含まれている画像&#10;&#10;自動的に生成された説明">
+            <a:extLst>
+              <a:ext uri="{FF2B5EF4-FFF2-40B4-BE49-F238E27FC236}">
+                <a16:creationId xmlns:a16="http://schemas.microsoft.com/office/drawing/2014/main" id="{F26AFDEC-4271-EE82-EAC1-301D57201831}"/>
+              </a:ext>
+            </a:extLst>
+          </p:cNvPr>
+          <p:cNvPicPr>
+            <a:picLocks noChangeAspect="1"/>
+          </p:cNvPicPr>
+          <p:nvPr/>
+        </p:nvPicPr>
+        <p:blipFill>
+          <a:blip r:embed="rId9">
+            <a:extLst>
+              <a:ext uri="{28A0092B-C50C-407E-A947-70E740481C1C}">
+                <a14:useLocalDpi xmlns:a14="http://schemas.microsoft.com/office/drawing/2010/main" val="0"/>
+              </a:ext>
+            </a:extLst>
+          </a:blip>
+          <a:stretch>
+            <a:fillRect/>
+          </a:stretch>
+        </p:blipFill>
+        <p:spPr>
+          <a:xfrm>
+            <a:off x="52555" y="1015565"/>
+            <a:ext cx="960521" cy="891363"/>
+          </a:xfrm>
+          <a:prstGeom prst="rect">
+            <a:avLst/>
+          </a:prstGeom>
+          <a:effectLst>
+            <a:outerShdw blurRad="50800" dist="38100" dir="2700000" algn="tl" rotWithShape="0">
+              <a:prstClr val="black">
+                <a:alpha val="40000"/>
+              </a:prstClr>
+            </a:outerShdw>
+          </a:effectLst>
+        </p:spPr>
+      </p:pic>
+      <p:pic>
+        <p:nvPicPr>
+          <p:cNvPr id="45" name="図 44" descr="ピンク, 女の子, 座る, 時計 が含まれている画像&#10;&#10;自動的に生成された説明">
+            <a:extLst>
+              <a:ext uri="{FF2B5EF4-FFF2-40B4-BE49-F238E27FC236}">
+                <a16:creationId xmlns:a16="http://schemas.microsoft.com/office/drawing/2014/main" id="{1E94EB91-1A53-E9F7-D906-8EED213A68C1}"/>
+              </a:ext>
+            </a:extLst>
+          </p:cNvPr>
+          <p:cNvPicPr>
+            <a:picLocks noChangeAspect="1"/>
+          </p:cNvPicPr>
+          <p:nvPr/>
+        </p:nvPicPr>
+        <p:blipFill>
+          <a:blip r:embed="rId10">
+            <a:extLst>
+              <a:ext uri="{28A0092B-C50C-407E-A947-70E740481C1C}">
+                <a14:useLocalDpi xmlns:a14="http://schemas.microsoft.com/office/drawing/2010/main" val="0"/>
+              </a:ext>
+            </a:extLst>
+          </a:blip>
+          <a:stretch>
+            <a:fillRect/>
+          </a:stretch>
+        </p:blipFill>
+        <p:spPr>
+          <a:xfrm>
+            <a:off x="5359559" y="8596499"/>
+            <a:ext cx="1239994" cy="1309501"/>
+          </a:xfrm>
+          <a:prstGeom prst="rect">
+            <a:avLst/>
+          </a:prstGeom>
+          <a:effectLst>
+            <a:outerShdw blurRad="50800" dist="38100" dir="2700000" algn="tl" rotWithShape="0">
+              <a:prstClr val="black">
+                <a:alpha val="40000"/>
+              </a:prstClr>
+            </a:outerShdw>
+          </a:effectLst>
         </p:spPr>
       </p:pic>
     </p:spTree>
